--- a/Slides/20486Core_07.pptx
+++ b/Slides/20486Core_07.pptx
@@ -51,34 +51,34 @@
   <p:notesSz cx="6858000" cy="9144000"/>
   <p:embeddedFontLst>
     <p:embeddedFont>
-      <p:font typeface="Segoe UI" panose="020B0502040204020203" pitchFamily="34" charset="0"/>
+      <p:font typeface="Calibri" panose="020F0502020204030204" pitchFamily="34" charset="0"/>
       <p:regular r:id="rId41"/>
       <p:bold r:id="rId42"/>
       <p:italic r:id="rId43"/>
       <p:boldItalic r:id="rId44"/>
     </p:embeddedFont>
     <p:embeddedFont>
-      <p:font typeface="Calibri" panose="020F0502020204030204" pitchFamily="34" charset="0"/>
+      <p:font typeface="Verdana" panose="020B0604030504040204" pitchFamily="34" charset="0"/>
       <p:regular r:id="rId45"/>
       <p:bold r:id="rId46"/>
       <p:italic r:id="rId47"/>
       <p:boldItalic r:id="rId48"/>
     </p:embeddedFont>
     <p:embeddedFont>
-      <p:font typeface="Verdana" panose="020B0604030504040204" pitchFamily="34" charset="0"/>
+      <p:font typeface="Lucida Sans Unicode" panose="020B0602030504020204" pitchFamily="34" charset="0"/>
       <p:regular r:id="rId49"/>
-      <p:bold r:id="rId50"/>
-      <p:italic r:id="rId51"/>
-      <p:boldItalic r:id="rId52"/>
-    </p:embeddedFont>
-    <p:embeddedFont>
-      <p:font typeface="Lucida Sans Unicode" panose="020B0602030504020204" pitchFamily="34" charset="0"/>
-      <p:regular r:id="rId53"/>
     </p:embeddedFont>
     <p:embeddedFont>
       <p:font typeface="Segoe UI Light" panose="020B0502040204020203" pitchFamily="34" charset="0"/>
-      <p:regular r:id="rId54"/>
-      <p:italic r:id="rId55"/>
+      <p:regular r:id="rId50"/>
+      <p:italic r:id="rId51"/>
+    </p:embeddedFont>
+    <p:embeddedFont>
+      <p:font typeface="Segoe UI" panose="020B0502040204020203" pitchFamily="34" charset="0"/>
+      <p:regular r:id="rId52"/>
+      <p:bold r:id="rId53"/>
+      <p:italic r:id="rId54"/>
+      <p:boldItalic r:id="rId55"/>
     </p:embeddedFont>
   </p:embeddedFontLst>
   <p:custDataLst>
@@ -295,7 +295,7 @@
             <a:fld id="{762DA778-3423-4E22-903E-9FFCBC73DE62}" type="datetimeFigureOut">
               <a:rPr lang="en-US" smtClean="0"/>
               <a:pPr/>
-              <a:t>11/10/2016</a:t>
+              <a:t>12/20/2016</a:t>
             </a:fld>
             <a:endParaRPr lang="en-US"/>
           </a:p>
@@ -590,8 +590,8 @@
         </p:nvSpPr>
         <p:spPr>
           <a:xfrm>
-            <a:off x="4325111" y="73151"/>
-            <a:ext cx="2468880" cy="1851660"/>
+            <a:off x="4325938" y="73025"/>
+            <a:ext cx="2466975" cy="1851025"/>
           </a:xfrm>
         </p:spPr>
       </p:sp>
@@ -7618,8 +7618,8 @@
         </p:nvSpPr>
         <p:spPr>
           <a:xfrm>
-            <a:off x="4325111" y="73151"/>
-            <a:ext cx="2468880" cy="1851660"/>
+            <a:off x="4325938" y="73025"/>
+            <a:ext cx="2466975" cy="1851025"/>
           </a:xfrm>
         </p:spPr>
       </p:sp>
@@ -15979,24 +15979,20 @@
             <a:spLocks noGrp="1"/>
           </p:cNvSpPr>
           <p:nvPr>
-            <p:ph type="ctrTitle" sz="quarter"/>
+            <p:ph type="title"/>
           </p:nvPr>
         </p:nvSpPr>
-        <p:spPr>
-          <a:xfrm>
-            <a:off x="3106782" y="3169492"/>
-            <a:ext cx="5732417" cy="340093"/>
-          </a:xfrm>
-        </p:spPr>
+        <p:spPr/>
         <p:txBody>
           <a:bodyPr/>
           <a:lstStyle/>
           <a:p>
-            <a:r>
-              <a:rPr lang="en-US" sz="2600" smtClean="0"/>
+            <a:pPr algn="ctr"/>
+            <a:r>
+              <a:rPr lang="en-US" sz="2600" dirty="0" smtClean="0"/>
               <a:t>Module07</a:t>
             </a:r>
-            <a:endParaRPr lang="en-US" sz="2600"/>
+            <a:endParaRPr lang="en-US" sz="2600" dirty="0"/>
           </a:p>
         </p:txBody>
       </p:sp>
@@ -16007,20 +16003,49 @@
             <a:spLocks noGrp="1"/>
           </p:cNvSpPr>
           <p:nvPr>
-            <p:ph type="subTitle" sz="quarter" idx="1"/>
+            <p:ph idx="1"/>
           </p:nvPr>
         </p:nvSpPr>
         <p:spPr/>
         <p:txBody>
-          <a:bodyPr/>
+          <a:bodyPr anchor="ctr"/>
           <a:lstStyle/>
           <a:p>
-            <a:r>
-              <a:rPr lang="en-US" smtClean="0"/>
-              <a:t>Structuring ASP.NET MVC 4 Web Applications
-</a:t>
-            </a:r>
-            <a:endParaRPr lang="en-US"/>
+            <a:pPr marL="0" indent="0" algn="ctr">
+              <a:buNone/>
+            </a:pPr>
+            <a:r>
+              <a:rPr lang="en-US" sz="4400" dirty="0" smtClean="0"/>
+              <a:t>Structuring </a:t>
+            </a:r>
+            <a:endParaRPr lang="en-US" sz="4400" dirty="0" smtClean="0"/>
+          </a:p>
+          <a:p>
+            <a:pPr marL="0" indent="0" algn="ctr">
+              <a:buNone/>
+            </a:pPr>
+            <a:r>
+              <a:rPr lang="en-US" sz="4400" dirty="0" smtClean="0"/>
+              <a:t>ASP.NET </a:t>
+            </a:r>
+            <a:r>
+              <a:rPr lang="en-US" sz="4400" dirty="0" smtClean="0"/>
+              <a:t>MVC </a:t>
+            </a:r>
+            <a:r>
+              <a:rPr lang="en-US" sz="4400" dirty="0" smtClean="0"/>
+              <a:t>Core </a:t>
+            </a:r>
+          </a:p>
+          <a:p>
+            <a:pPr marL="0" indent="0" algn="ctr">
+              <a:buNone/>
+            </a:pPr>
+            <a:r>
+              <a:rPr lang="en-US" sz="4400" dirty="0" smtClean="0"/>
+              <a:t>Web Applications</a:t>
+            </a:r>
+            <a:endParaRPr lang="en-US" sz="4400" dirty="0"/>
           </a:p>
         </p:txBody>
       </p:sp>
@@ -20590,10 +20615,17 @@
           <a:lstStyle/>
           <a:p>
             <a:r>
+              <a:rPr lang="en-US" dirty="0" smtClean="0"/>
+              <a:t>Analyzing Information Architecture
+</a:t>
+            </a:r>
+            <a:r>
               <a:rPr lang="en-US" smtClean="0"/>
-              <a:t>Analyzing Information Architecture
-Configuring Routes
-Creating a Navigation Structure</a:t>
+              <a:t>Configuring </a:t>
+            </a:r>
+            <a:r>
+              <a:rPr lang="en-US" smtClean="0"/>
+              <a:t>Routes</a:t>
             </a:r>
             <a:endParaRPr lang="en-US"/>
           </a:p>
@@ -24725,11 +24757,11 @@
   <p:clrMapOvr>
     <a:masterClrMapping/>
   </p:clrMapOvr>
-  <mc:AlternateContent xmlns:mc="http://schemas.openxmlformats.org/markup-compatibility/2006">
-    <mc:Choice xmlns:p14="http://schemas.microsoft.com/office/powerpoint/2010/main" Requires="p14">
+  <mc:AlternateContent xmlns:mc="http://schemas.openxmlformats.org/markup-compatibility/2006" xmlns:p14="http://schemas.microsoft.com/office/powerpoint/2010/main">
+    <mc:Choice Requires="p14">
       <p:transition spd="slow" p14:dur="2000"/>
     </mc:Choice>
-    <mc:Fallback>
+    <mc:Fallback xmlns="">
       <p:transition spd="slow"/>
     </mc:Fallback>
   </mc:AlternateContent>
@@ -24807,11 +24839,11 @@
   <p:clrMapOvr>
     <a:masterClrMapping/>
   </p:clrMapOvr>
-  <mc:AlternateContent xmlns:mc="http://schemas.openxmlformats.org/markup-compatibility/2006">
-    <mc:Choice xmlns:p14="http://schemas.microsoft.com/office/powerpoint/2010/main" Requires="p14">
+  <mc:AlternateContent xmlns:mc="http://schemas.openxmlformats.org/markup-compatibility/2006" xmlns:p14="http://schemas.microsoft.com/office/powerpoint/2010/main">
+    <mc:Choice Requires="p14">
       <p:transition spd="slow" p14:dur="2000"/>
     </mc:Choice>
-    <mc:Fallback>
+    <mc:Fallback xmlns="">
       <p:transition spd="slow"/>
     </mc:Fallback>
   </mc:AlternateContent>
@@ -25165,11 +25197,11 @@
   <p:clrMapOvr>
     <a:masterClrMapping/>
   </p:clrMapOvr>
-  <mc:AlternateContent xmlns:mc="http://schemas.openxmlformats.org/markup-compatibility/2006">
-    <mc:Choice xmlns:p14="http://schemas.microsoft.com/office/powerpoint/2010/main" Requires="p14">
+  <mc:AlternateContent xmlns:mc="http://schemas.openxmlformats.org/markup-compatibility/2006" xmlns:p14="http://schemas.microsoft.com/office/powerpoint/2010/main">
+    <mc:Choice Requires="p14">
       <p:transition spd="slow" p14:dur="2000"/>
     </mc:Choice>
-    <mc:Fallback>
+    <mc:Fallback xmlns="">
       <p:transition spd="slow"/>
     </mc:Fallback>
   </mc:AlternateContent>
@@ -26080,11 +26112,11 @@
   <p:clrMapOvr>
     <a:masterClrMapping/>
   </p:clrMapOvr>
-  <mc:AlternateContent xmlns:mc="http://schemas.openxmlformats.org/markup-compatibility/2006">
-    <mc:Choice xmlns:p14="http://schemas.microsoft.com/office/powerpoint/2010/main" Requires="p14">
+  <mc:AlternateContent xmlns:mc="http://schemas.openxmlformats.org/markup-compatibility/2006" xmlns:p14="http://schemas.microsoft.com/office/powerpoint/2010/main">
+    <mc:Choice Requires="p14">
       <p:transition spd="slow" p14:dur="2000"/>
     </mc:Choice>
-    <mc:Fallback>
+    <mc:Fallback xmlns="">
       <p:transition spd="slow"/>
     </mc:Fallback>
   </mc:AlternateContent>
@@ -26812,11 +26844,11 @@
   <p:clrMapOvr>
     <a:masterClrMapping/>
   </p:clrMapOvr>
-  <mc:AlternateContent xmlns:mc="http://schemas.openxmlformats.org/markup-compatibility/2006">
-    <mc:Choice xmlns:p14="http://schemas.microsoft.com/office/powerpoint/2010/main" Requires="p14">
+  <mc:AlternateContent xmlns:mc="http://schemas.openxmlformats.org/markup-compatibility/2006" xmlns:p14="http://schemas.microsoft.com/office/powerpoint/2010/main">
+    <mc:Choice Requires="p14">
       <p:transition spd="slow" p14:dur="2000"/>
     </mc:Choice>
-    <mc:Fallback>
+    <mc:Fallback xmlns="">
       <p:transition spd="slow"/>
     </mc:Fallback>
   </mc:AlternateContent>
@@ -27242,11 +27274,11 @@
   <p:clrMapOvr>
     <a:masterClrMapping/>
   </p:clrMapOvr>
-  <mc:AlternateContent xmlns:mc="http://schemas.openxmlformats.org/markup-compatibility/2006">
-    <mc:Choice xmlns:p14="http://schemas.microsoft.com/office/powerpoint/2010/main" Requires="p14">
+  <mc:AlternateContent xmlns:mc="http://schemas.openxmlformats.org/markup-compatibility/2006" xmlns:p14="http://schemas.microsoft.com/office/powerpoint/2010/main">
+    <mc:Choice Requires="p14">
       <p:transition spd="slow" p14:dur="2000"/>
     </mc:Choice>
-    <mc:Fallback>
+    <mc:Fallback xmlns="">
       <p:transition spd="slow"/>
     </mc:Fallback>
   </mc:AlternateContent>
@@ -27414,10 +27446,18 @@
           <a:lstStyle/>
           <a:p>
             <a:r>
-              <a:rPr lang="en-US" smtClean="0"/>
-              <a:t>Lab: Structuring ASP.NET MVC 4 Web Applications</a:t>
-            </a:r>
-            <a:endParaRPr lang="en-US"/>
+              <a:rPr lang="en-US" dirty="0" smtClean="0"/>
+              <a:t>Lab: Structuring ASP.NET MVC </a:t>
+            </a:r>
+            <a:r>
+              <a:rPr lang="en-US" dirty="0" smtClean="0"/>
+              <a:t>Core </a:t>
+            </a:r>
+            <a:r>
+              <a:rPr lang="en-US" dirty="0" smtClean="0"/>
+              <a:t>Web Applications</a:t>
+            </a:r>
+            <a:endParaRPr lang="en-US" dirty="0"/>
           </a:p>
         </p:txBody>
       </p:sp>
@@ -27438,140 +27478,13 @@
           <a:p>
             <a:r>
               <a:rPr lang="en-US" dirty="0" smtClean="0"/>
-              <a:t>Exercise 1: Using the Routing Engine
-Exercise 2: Optional—Building Navigation Controls</a:t>
+              <a:t>Exercise 1: Using the Routing </a:t>
+            </a:r>
+            <a:r>
+              <a:rPr lang="en-US" dirty="0" smtClean="0"/>
+              <a:t>Engine</a:t>
             </a:r>
             <a:endParaRPr lang="en-US" dirty="0"/>
-          </a:p>
-        </p:txBody>
-      </p:sp>
-      <p:sp>
-        <p:nvSpPr>
-          <p:cNvPr id="4" name="TextBox 3"/>
-          <p:cNvSpPr txBox="1"/>
-          <p:nvPr/>
-        </p:nvSpPr>
-        <p:spPr>
-          <a:xfrm>
-            <a:off x="458787" y="2435662"/>
-            <a:ext cx="8119156" cy="523220"/>
-          </a:xfrm>
-          <a:prstGeom prst="rect">
-            <a:avLst/>
-          </a:prstGeom>
-          <a:noFill/>
-        </p:spPr>
-        <p:txBody>
-          <a:bodyPr vert="horz" rtlCol="0">
-            <a:spAutoFit/>
-          </a:bodyPr>
-          <a:lstStyle/>
-          <a:p>
-            <a:r>
-              <a:rPr lang="en-US" sz="2800" dirty="0" smtClean="0">
-                <a:latin typeface="Segoe UI"/>
-              </a:rPr>
-              <a:t>Logon Information</a:t>
-            </a:r>
-            <a:endParaRPr lang="en-US" sz="2800" dirty="0">
-              <a:latin typeface="Segoe UI"/>
-            </a:endParaRPr>
-          </a:p>
-        </p:txBody>
-      </p:sp>
-      <p:sp>
-        <p:nvSpPr>
-          <p:cNvPr id="5" name="TextBox 4"/>
-          <p:cNvSpPr txBox="1"/>
-          <p:nvPr/>
-        </p:nvSpPr>
-        <p:spPr>
-          <a:xfrm>
-            <a:off x="458787" y="2961144"/>
-            <a:ext cx="8119156" cy="2677656"/>
-          </a:xfrm>
-          <a:prstGeom prst="rect">
-            <a:avLst/>
-          </a:prstGeom>
-          <a:noFill/>
-        </p:spPr>
-        <p:txBody>
-          <a:bodyPr vert="horz" rtlCol="0">
-            <a:spAutoFit/>
-          </a:bodyPr>
-          <a:lstStyle/>
-          <a:p>
-            <a:r>
-              <a:rPr lang="en-US" sz="2800" baseline="0" dirty="0" smtClean="0">
-                <a:latin typeface="Segoe UI"/>
-              </a:rPr>
-              <a:t>Virtual Machine: </a:t>
-            </a:r>
-            <a:r>
-              <a:rPr lang="en-US" sz="2800" b="1" baseline="0" dirty="0" smtClean="0">
-                <a:latin typeface="Segoe UI"/>
-              </a:rPr>
-              <a:t>20486B-SEA-DEV11 </a:t>
-            </a:r>
-          </a:p>
-          <a:p>
-            <a:r>
-              <a:rPr lang="en-US" sz="2800" baseline="0" dirty="0" smtClean="0">
-                <a:latin typeface="Segoe UI"/>
-              </a:rPr>
-              <a:t>Username: </a:t>
-            </a:r>
-            <a:r>
-              <a:rPr lang="en-US" sz="2800" b="1" baseline="0" dirty="0" smtClean="0">
-                <a:latin typeface="Segoe UI"/>
-              </a:rPr>
-              <a:t>Admin</a:t>
-            </a:r>
-          </a:p>
-          <a:p>
-            <a:r>
-              <a:rPr lang="en-US" sz="2800" baseline="0" dirty="0" smtClean="0">
-                <a:latin typeface="Segoe UI"/>
-              </a:rPr>
-              <a:t>Password: </a:t>
-            </a:r>
-            <a:r>
-              <a:rPr lang="en-US" sz="2800" b="1" baseline="0" dirty="0" smtClean="0">
-                <a:latin typeface="Segoe UI"/>
-              </a:rPr>
-              <a:t>Pa$$w0rd</a:t>
-            </a:r>
-          </a:p>
-          <a:p>
-            <a:endParaRPr lang="en-US" sz="2800" b="1" baseline="0" dirty="0" smtClean="0">
-              <a:latin typeface="Segoe UI"/>
-            </a:endParaRPr>
-          </a:p>
-          <a:p>
-            <a:r>
-              <a:rPr lang="en-US" sz="2800" b="1" baseline="0" dirty="0" smtClean="0">
-                <a:latin typeface="Segoe UI"/>
-              </a:rPr>
-              <a:t>Note: </a:t>
-            </a:r>
-            <a:r>
-              <a:rPr lang="en-US" sz="2800" baseline="0" dirty="0" smtClean="0">
-                <a:latin typeface="Segoe UI"/>
-              </a:rPr>
-              <a:t>In Hyper-V Manager, start the </a:t>
-            </a:r>
-            <a:r>
-              <a:rPr lang="en-US" sz="2800" b="1" baseline="0" dirty="0" smtClean="0">
-                <a:latin typeface="Segoe UI"/>
-              </a:rPr>
-              <a:t>MSL-TMG1 </a:t>
-            </a:r>
-            <a:r>
-              <a:rPr lang="en-US" sz="2800" baseline="0" dirty="0" smtClean="0">
-                <a:latin typeface="Segoe UI"/>
-              </a:rPr>
-              <a:t>virtual machine if it is not already running.	</a:t>
-            </a:r>
           </a:p>
         </p:txBody>
       </p:sp>
@@ -29664,20 +29577,8 @@
           <a:p>
             <a:r>
               <a:rPr lang="en-US" dirty="0" smtClean="0"/>
-              <a:t>The ASP.NET Routing </a:t>
-            </a:r>
-            <a:r>
-              <a:rPr lang="en-US" dirty="0" smtClean="0"/>
-              <a:t>Middleware</a:t>
-            </a:r>
-            <a:r>
-              <a:rPr lang="en-US" dirty="0" smtClean="0"/>
-              <a:t>
-Adding and Configuring </a:t>
-            </a:r>
-            <a:r>
-              <a:rPr lang="en-US" dirty="0" smtClean="0"/>
-              <a:t>Routes</a:t>
+              <a:t>The ASP.NET Routing Middleware
+Adding and Configuring Routes</a:t>
             </a:r>
           </a:p>
           <a:p>
@@ -29689,19 +29590,10 @@
           <a:p>
             <a:r>
               <a:rPr lang="en-US" dirty="0" smtClean="0"/>
-              <a:t>Attributes Routing</a:t>
-            </a:r>
-            <a:r>
-              <a:rPr lang="en-US" dirty="0" smtClean="0"/>
-              <a:t>
+              <a:t>Attributes Routing
 Using Routes to Pass Parameters
-Demonstration: How to Add </a:t>
-            </a:r>
-            <a:r>
-              <a:rPr lang="en-US" dirty="0" smtClean="0"/>
-              <a:t>Routes</a:t>
-            </a:r>
-            <a:endParaRPr lang="en-US" dirty="0" smtClean="0"/>
+Demonstration: How to Add Routes</a:t>
+            </a:r>
           </a:p>
           <a:p>
             <a:r>
@@ -29762,11 +29654,7 @@
           <a:p>
             <a:r>
               <a:rPr lang="en-US" dirty="0" smtClean="0"/>
-              <a:t>The ASP.NET Routing </a:t>
-            </a:r>
-            <a:r>
-              <a:rPr lang="en-US" dirty="0" smtClean="0"/>
-              <a:t>Middleware</a:t>
+              <a:t>The ASP.NET Routing Middleware</a:t>
             </a:r>
             <a:endParaRPr lang="en-US" dirty="0"/>
           </a:p>
@@ -31333,15 +31221,7 @@
             <a:pPr lvl="1"/>
             <a:r>
               <a:rPr lang="en-US" sz="1800" dirty="0" smtClean="0"/>
-              <a:t>Includes Name, </a:t>
-            </a:r>
-            <a:r>
-              <a:rPr lang="en-US" sz="1800" dirty="0" smtClean="0"/>
-              <a:t>Template, </a:t>
-            </a:r>
-            <a:r>
-              <a:rPr lang="en-US" sz="1800" dirty="0" smtClean="0"/>
-              <a:t>Constraints </a:t>
+              <a:t>Includes Name, Template, Constraints </a:t>
             </a:r>
           </a:p>
           <a:p>
@@ -31376,11 +31256,7 @@
             </a:r>
             <a:r>
               <a:rPr lang="en-US" sz="1800" b="1" dirty="0" smtClean="0"/>
-              <a:t>n</a:t>
-            </a:r>
-            <a:r>
-              <a:rPr lang="en-US" sz="1800" b="1" dirty="0" smtClean="0"/>
-              <a:t>ame</a:t>
+              <a:t>name</a:t>
             </a:r>
             <a:r>
               <a:rPr lang="en-US" sz="1800" dirty="0" smtClean="0"/>
@@ -31425,11 +31301,7 @@
             </a:r>
             <a:r>
               <a:rPr lang="en-US" sz="1800" dirty="0" smtClean="0"/>
-              <a:t> </a:t>
-            </a:r>
-            <a:r>
-              <a:rPr lang="en-US" sz="1800" dirty="0" smtClean="0"/>
-              <a:t>method and / or</a:t>
+              <a:t> method and / or</a:t>
             </a:r>
           </a:p>
           <a:p>
@@ -31452,13 +31324,8 @@
             </a:pPr>
             <a:r>
               <a:rPr lang="en-US" sz="2400" dirty="0" smtClean="0"/>
-              <a:t>  of routes</a:t>
-            </a:r>
-            <a:r>
-              <a:rPr lang="en-US" sz="2400" dirty="0" smtClean="0"/>
-              <a:t>:</a:t>
-            </a:r>
-            <a:endParaRPr lang="en-US" sz="2400" dirty="0" smtClean="0"/>
+              <a:t>  of routes:</a:t>
+            </a:r>
           </a:p>
           <a:p>
             <a:pPr lvl="1"/>
@@ -31952,27 +31819,7 @@
                 <a:latin typeface="Lucida Sans Unicode" pitchFamily="34" charset="0"/>
                 <a:cs typeface="Lucida Sans Unicode" pitchFamily="34" charset="0"/>
               </a:rPr>
-              <a:t>   </a:t>
-            </a:r>
-            <a:r>
-              <a:rPr lang="en-US" sz="1600" b="0" dirty="0">
-                <a:solidFill>
-                  <a:schemeClr val="tx1"/>
-                </a:solidFill>
-                <a:latin typeface="Lucida Sans Unicode" pitchFamily="34" charset="0"/>
-                <a:cs typeface="Lucida Sans Unicode" pitchFamily="34" charset="0"/>
-              </a:rPr>
-              <a:t>template: </a:t>
-            </a:r>
-            <a:r>
-              <a:rPr lang="en-US" sz="1600" b="0" dirty="0">
-                <a:solidFill>
-                  <a:schemeClr val="tx1"/>
-                </a:solidFill>
-                <a:latin typeface="Lucida Sans Unicode" pitchFamily="34" charset="0"/>
-                <a:cs typeface="Lucida Sans Unicode" pitchFamily="34" charset="0"/>
-              </a:rPr>
-              <a:t>"photo/{</a:t>
+              <a:t>   template: "photo/{</a:t>
             </a:r>
             <a:r>
               <a:rPr lang="en-US" sz="1600" b="0" dirty="0" err="1" smtClean="0">
